--- a/documentation/idioms/file-hash-reputation/diagram.pptx
+++ b/documentation/idioms/file-hash-reputation/diagram.pptx
@@ -3104,14 +3104,14 @@
           <p:nvPr>
             <p:extLst>
               <p:ext uri="{D42A27DB-BD31-4B8C-83A1-F6EECF244321}">
-                <p14:modId xmlns:p14="http://schemas.microsoft.com/office/powerpoint/2010/main" val="1720513646"/>
+                <p14:modId xmlns:p14="http://schemas.microsoft.com/office/powerpoint/2010/main" val="3988752377"/>
               </p:ext>
             </p:extLst>
           </p:nvPr>
         </p:nvGraphicFramePr>
         <p:xfrm>
           <a:off x="107407" y="247631"/>
-          <a:ext cx="7144292" cy="4815840"/>
+          <a:ext cx="7144292" cy="5593080"/>
         </p:xfrm>
         <a:graphic>
           <a:graphicData uri="http://schemas.openxmlformats.org/drawingml/2006/table">
@@ -4760,6 +4760,440 @@
                     <a:lnR w="12700" cap="flat" cmpd="sng" algn="ctr">
                       <a:solidFill>
                         <a:schemeClr val="tx1"/>
+                      </a:solidFill>
+                      <a:prstDash val="solid"/>
+                      <a:round/>
+                      <a:headEnd type="none" w="med" len="med"/>
+                      <a:tailEnd type="none" w="med" len="med"/>
+                    </a:lnR>
+                    <a:lnT w="12700" cap="flat" cmpd="sng" algn="ctr">
+                      <a:noFill/>
+                      <a:prstDash val="solid"/>
+                      <a:round/>
+                      <a:headEnd type="none" w="med" len="med"/>
+                      <a:tailEnd type="none" w="med" len="med"/>
+                    </a:lnT>
+                    <a:lnB w="12700" cap="flat" cmpd="sng" algn="ctr">
+                      <a:noFill/>
+                      <a:prstDash val="solid"/>
+                      <a:round/>
+                      <a:headEnd type="none" w="med" len="med"/>
+                      <a:tailEnd type="none" w="med" len="med"/>
+                    </a:lnB>
+                    <a:lnTlToBr w="12700" cmpd="sng">
+                      <a:noFill/>
+                      <a:prstDash val="solid"/>
+                    </a:lnTlToBr>
+                    <a:lnBlToTr w="12700" cmpd="sng">
+                      <a:noFill/>
+                      <a:prstDash val="solid"/>
+                    </a:lnBlToTr>
+                  </a:tcPr>
+                </a:tc>
+              </a:tr>
+              <a:tr h="144405">
+                <a:tc>
+                  <a:txBody>
+                    <a:bodyPr/>
+                    <a:lstStyle/>
+                    <a:p>
+                      <a:r>
+                        <a:rPr lang="en-US" sz="1100" b="0" dirty="0" err="1" smtClean="0"/>
+                        <a:t>Indicated_TTP</a:t>
+                      </a:r>
+                      <a:endParaRPr lang="en-US" sz="1100" b="0" dirty="0"/>
+                    </a:p>
+                  </a:txBody>
+                  <a:tcPr>
+                    <a:lnL w="12700" cap="flat" cmpd="sng" algn="ctr">
+                      <a:solidFill>
+                        <a:scrgbClr r="0" g="0" b="0"/>
+                      </a:solidFill>
+                      <a:prstDash val="solid"/>
+                      <a:round/>
+                      <a:headEnd type="none" w="med" len="med"/>
+                      <a:tailEnd type="none" w="med" len="med"/>
+                    </a:lnL>
+                    <a:lnR w="12700" cap="flat" cmpd="sng" algn="ctr">
+                      <a:solidFill>
+                        <a:schemeClr val="tx1"/>
+                      </a:solidFill>
+                      <a:prstDash val="solid"/>
+                      <a:round/>
+                      <a:headEnd type="none" w="med" len="med"/>
+                      <a:tailEnd type="none" w="med" len="med"/>
+                    </a:lnR>
+                  </a:tcPr>
+                </a:tc>
+                <a:tc>
+                  <a:txBody>
+                    <a:bodyPr/>
+                    <a:lstStyle/>
+                    <a:p>
+                      <a:endParaRPr lang="en-US" sz="1100" b="0" dirty="0" smtClean="0"/>
+                    </a:p>
+                  </a:txBody>
+                  <a:tcPr>
+                    <a:lnL w="12700" cap="flat" cmpd="sng" algn="ctr">
+                      <a:solidFill>
+                        <a:schemeClr val="tx1"/>
+                      </a:solidFill>
+                      <a:prstDash val="solid"/>
+                      <a:round/>
+                      <a:headEnd type="none" w="med" len="med"/>
+                      <a:tailEnd type="none" w="med" len="med"/>
+                    </a:lnL>
+                    <a:lnR w="12700" cap="flat" cmpd="sng" algn="ctr">
+                      <a:noFill/>
+                      <a:prstDash val="solid"/>
+                      <a:round/>
+                      <a:headEnd type="none" w="med" len="med"/>
+                      <a:tailEnd type="none" w="med" len="med"/>
+                    </a:lnR>
+                    <a:lnT w="12700" cap="flat" cmpd="sng" algn="ctr">
+                      <a:noFill/>
+                      <a:prstDash val="solid"/>
+                      <a:round/>
+                      <a:headEnd type="none" w="med" len="med"/>
+                      <a:tailEnd type="none" w="med" len="med"/>
+                    </a:lnT>
+                    <a:lnB w="12700" cap="flat" cmpd="sng" algn="ctr">
+                      <a:noFill/>
+                      <a:prstDash val="solid"/>
+                      <a:round/>
+                      <a:headEnd type="none" w="med" len="med"/>
+                      <a:tailEnd type="none" w="med" len="med"/>
+                    </a:lnB>
+                    <a:lnTlToBr w="12700" cmpd="sng">
+                      <a:noFill/>
+                      <a:prstDash val="solid"/>
+                    </a:lnTlToBr>
+                    <a:lnBlToTr w="12700" cmpd="sng">
+                      <a:noFill/>
+                      <a:prstDash val="solid"/>
+                    </a:lnBlToTr>
+                  </a:tcPr>
+                </a:tc>
+                <a:tc>
+                  <a:txBody>
+                    <a:bodyPr/>
+                    <a:lstStyle/>
+                    <a:p>
+                      <a:pPr algn="r"/>
+                      <a:endParaRPr lang="en-US" sz="1100" b="0" dirty="0" smtClean="0">
+                        <a:solidFill>
+                          <a:schemeClr val="bg1">
+                            <a:lumMod val="50000"/>
+                          </a:schemeClr>
+                        </a:solidFill>
+                      </a:endParaRPr>
+                    </a:p>
+                  </a:txBody>
+                  <a:tcPr>
+                    <a:lnL w="12700" cap="flat" cmpd="sng" algn="ctr">
+                      <a:noFill/>
+                      <a:prstDash val="solid"/>
+                      <a:round/>
+                      <a:headEnd type="none" w="med" len="med"/>
+                      <a:tailEnd type="none" w="med" len="med"/>
+                    </a:lnL>
+                    <a:lnR w="12700" cap="flat" cmpd="sng" algn="ctr">
+                      <a:solidFill>
+                        <a:scrgbClr r="0" g="0" b="0"/>
+                      </a:solidFill>
+                      <a:prstDash val="solid"/>
+                      <a:round/>
+                      <a:headEnd type="none" w="med" len="med"/>
+                      <a:tailEnd type="none" w="med" len="med"/>
+                    </a:lnR>
+                    <a:lnT w="12700" cap="flat" cmpd="sng" algn="ctr">
+                      <a:noFill/>
+                      <a:prstDash val="solid"/>
+                      <a:round/>
+                      <a:headEnd type="none" w="med" len="med"/>
+                      <a:tailEnd type="none" w="med" len="med"/>
+                    </a:lnT>
+                    <a:lnB w="12700" cap="flat" cmpd="sng" algn="ctr">
+                      <a:noFill/>
+                      <a:prstDash val="solid"/>
+                      <a:round/>
+                      <a:headEnd type="none" w="med" len="med"/>
+                      <a:tailEnd type="none" w="med" len="med"/>
+                    </a:lnB>
+                    <a:lnTlToBr w="12700" cmpd="sng">
+                      <a:noFill/>
+                      <a:prstDash val="solid"/>
+                    </a:lnTlToBr>
+                    <a:lnBlToTr w="12700" cmpd="sng">
+                      <a:noFill/>
+                      <a:prstDash val="solid"/>
+                    </a:lnBlToTr>
+                  </a:tcPr>
+                </a:tc>
+              </a:tr>
+              <a:tr h="144405">
+                <a:tc>
+                  <a:txBody>
+                    <a:bodyPr/>
+                    <a:lstStyle/>
+                    <a:p>
+                      <a:r>
+                        <a:rPr lang="en-US" sz="1100" b="0" dirty="0" smtClean="0"/>
+                        <a:t>    TTP</a:t>
+                      </a:r>
+                      <a:endParaRPr lang="en-US" sz="1100" b="0" dirty="0"/>
+                    </a:p>
+                  </a:txBody>
+                  <a:tcPr>
+                    <a:lnL w="12700" cap="flat" cmpd="sng" algn="ctr">
+                      <a:solidFill>
+                        <a:scrgbClr r="0" g="0" b="0"/>
+                      </a:solidFill>
+                      <a:prstDash val="solid"/>
+                      <a:round/>
+                      <a:headEnd type="none" w="med" len="med"/>
+                      <a:tailEnd type="none" w="med" len="med"/>
+                    </a:lnL>
+                    <a:lnR w="12700" cap="flat" cmpd="sng" algn="ctr">
+                      <a:solidFill>
+                        <a:schemeClr val="tx1"/>
+                      </a:solidFill>
+                      <a:prstDash val="solid"/>
+                      <a:round/>
+                      <a:headEnd type="none" w="med" len="med"/>
+                      <a:tailEnd type="none" w="med" len="med"/>
+                    </a:lnR>
+                  </a:tcPr>
+                </a:tc>
+                <a:tc>
+                  <a:txBody>
+                    <a:bodyPr/>
+                    <a:lstStyle/>
+                    <a:p>
+                      <a:endParaRPr lang="en-US" sz="1100" b="0" dirty="0" smtClean="0"/>
+                    </a:p>
+                  </a:txBody>
+                  <a:tcPr>
+                    <a:lnL w="12700" cap="flat" cmpd="sng" algn="ctr">
+                      <a:solidFill>
+                        <a:schemeClr val="tx1"/>
+                      </a:solidFill>
+                      <a:prstDash val="solid"/>
+                      <a:round/>
+                      <a:headEnd type="none" w="med" len="med"/>
+                      <a:tailEnd type="none" w="med" len="med"/>
+                    </a:lnL>
+                    <a:lnR w="12700" cap="flat" cmpd="sng" algn="ctr">
+                      <a:noFill/>
+                      <a:prstDash val="solid"/>
+                      <a:round/>
+                      <a:headEnd type="none" w="med" len="med"/>
+                      <a:tailEnd type="none" w="med" len="med"/>
+                    </a:lnR>
+                    <a:lnT w="12700" cap="flat" cmpd="sng" algn="ctr">
+                      <a:noFill/>
+                      <a:prstDash val="solid"/>
+                      <a:round/>
+                      <a:headEnd type="none" w="med" len="med"/>
+                      <a:tailEnd type="none" w="med" len="med"/>
+                    </a:lnT>
+                    <a:lnB w="12700" cap="flat" cmpd="sng" algn="ctr">
+                      <a:noFill/>
+                      <a:prstDash val="solid"/>
+                      <a:round/>
+                      <a:headEnd type="none" w="med" len="med"/>
+                      <a:tailEnd type="none" w="med" len="med"/>
+                    </a:lnB>
+                    <a:lnTlToBr w="12700" cmpd="sng">
+                      <a:noFill/>
+                      <a:prstDash val="solid"/>
+                    </a:lnTlToBr>
+                    <a:lnBlToTr w="12700" cmpd="sng">
+                      <a:noFill/>
+                      <a:prstDash val="solid"/>
+                    </a:lnBlToTr>
+                  </a:tcPr>
+                </a:tc>
+                <a:tc>
+                  <a:txBody>
+                    <a:bodyPr/>
+                    <a:lstStyle/>
+                    <a:p>
+                      <a:pPr algn="r"/>
+                      <a:r>
+                        <a:rPr lang="en-US" sz="1100" b="0" dirty="0" err="1" smtClean="0">
+                          <a:solidFill>
+                            <a:schemeClr val="bg1">
+                              <a:lumMod val="50000"/>
+                            </a:schemeClr>
+                          </a:solidFill>
+                        </a:rPr>
+                        <a:t>TTPType</a:t>
+                      </a:r>
+                      <a:endParaRPr lang="en-US" sz="1100" b="0" dirty="0" smtClean="0">
+                        <a:solidFill>
+                          <a:schemeClr val="bg1">
+                            <a:lumMod val="50000"/>
+                          </a:schemeClr>
+                        </a:solidFill>
+                      </a:endParaRPr>
+                    </a:p>
+                  </a:txBody>
+                  <a:tcPr>
+                    <a:lnL w="12700" cap="flat" cmpd="sng" algn="ctr">
+                      <a:noFill/>
+                      <a:prstDash val="solid"/>
+                      <a:round/>
+                      <a:headEnd type="none" w="med" len="med"/>
+                      <a:tailEnd type="none" w="med" len="med"/>
+                    </a:lnL>
+                    <a:lnR w="12700" cap="flat" cmpd="sng" algn="ctr">
+                      <a:solidFill>
+                        <a:scrgbClr r="0" g="0" b="0"/>
+                      </a:solidFill>
+                      <a:prstDash val="solid"/>
+                      <a:round/>
+                      <a:headEnd type="none" w="med" len="med"/>
+                      <a:tailEnd type="none" w="med" len="med"/>
+                    </a:lnR>
+                    <a:lnT w="12700" cap="flat" cmpd="sng" algn="ctr">
+                      <a:noFill/>
+                      <a:prstDash val="solid"/>
+                      <a:round/>
+                      <a:headEnd type="none" w="med" len="med"/>
+                      <a:tailEnd type="none" w="med" len="med"/>
+                    </a:lnT>
+                    <a:lnB w="12700" cap="flat" cmpd="sng" algn="ctr">
+                      <a:noFill/>
+                      <a:prstDash val="solid"/>
+                      <a:round/>
+                      <a:headEnd type="none" w="med" len="med"/>
+                      <a:tailEnd type="none" w="med" len="med"/>
+                    </a:lnB>
+                    <a:lnTlToBr w="12700" cmpd="sng">
+                      <a:noFill/>
+                      <a:prstDash val="solid"/>
+                    </a:lnTlToBr>
+                    <a:lnBlToTr w="12700" cmpd="sng">
+                      <a:noFill/>
+                      <a:prstDash val="solid"/>
+                    </a:lnBlToTr>
+                  </a:tcPr>
+                </a:tc>
+              </a:tr>
+              <a:tr h="144405">
+                <a:tc>
+                  <a:txBody>
+                    <a:bodyPr/>
+                    <a:lstStyle/>
+                    <a:p>
+                      <a:r>
+                        <a:rPr lang="en-US" sz="1100" b="0" dirty="0" smtClean="0"/>
+                        <a:t>        Title</a:t>
+                      </a:r>
+                      <a:endParaRPr lang="en-US" sz="1100" b="0" dirty="0"/>
+                    </a:p>
+                  </a:txBody>
+                  <a:tcPr>
+                    <a:lnL w="12700" cap="flat" cmpd="sng" algn="ctr">
+                      <a:solidFill>
+                        <a:scrgbClr r="0" g="0" b="0"/>
+                      </a:solidFill>
+                      <a:prstDash val="solid"/>
+                      <a:round/>
+                      <a:headEnd type="none" w="med" len="med"/>
+                      <a:tailEnd type="none" w="med" len="med"/>
+                    </a:lnL>
+                    <a:lnR w="12700" cap="flat" cmpd="sng" algn="ctr">
+                      <a:solidFill>
+                        <a:schemeClr val="tx1"/>
+                      </a:solidFill>
+                      <a:prstDash val="solid"/>
+                      <a:round/>
+                      <a:headEnd type="none" w="med" len="med"/>
+                      <a:tailEnd type="none" w="med" len="med"/>
+                    </a:lnR>
+                  </a:tcPr>
+                </a:tc>
+                <a:tc>
+                  <a:txBody>
+                    <a:bodyPr/>
+                    <a:lstStyle/>
+                    <a:p>
+                      <a:r>
+                        <a:rPr lang="en-US" sz="1100" b="0" smtClean="0"/>
+                        <a:t>Malicious File</a:t>
+                      </a:r>
+                      <a:endParaRPr lang="en-US" sz="1100" b="0" dirty="0" smtClean="0"/>
+                    </a:p>
+                  </a:txBody>
+                  <a:tcPr>
+                    <a:lnL w="12700" cap="flat" cmpd="sng" algn="ctr">
+                      <a:solidFill>
+                        <a:schemeClr val="tx1"/>
+                      </a:solidFill>
+                      <a:prstDash val="solid"/>
+                      <a:round/>
+                      <a:headEnd type="none" w="med" len="med"/>
+                      <a:tailEnd type="none" w="med" len="med"/>
+                    </a:lnL>
+                    <a:lnR w="12700" cap="flat" cmpd="sng" algn="ctr">
+                      <a:noFill/>
+                      <a:prstDash val="solid"/>
+                      <a:round/>
+                      <a:headEnd type="none" w="med" len="med"/>
+                      <a:tailEnd type="none" w="med" len="med"/>
+                    </a:lnR>
+                    <a:lnT w="12700" cap="flat" cmpd="sng" algn="ctr">
+                      <a:noFill/>
+                      <a:prstDash val="solid"/>
+                      <a:round/>
+                      <a:headEnd type="none" w="med" len="med"/>
+                      <a:tailEnd type="none" w="med" len="med"/>
+                    </a:lnT>
+                    <a:lnB w="12700" cap="flat" cmpd="sng" algn="ctr">
+                      <a:noFill/>
+                      <a:prstDash val="solid"/>
+                      <a:round/>
+                      <a:headEnd type="none" w="med" len="med"/>
+                      <a:tailEnd type="none" w="med" len="med"/>
+                    </a:lnB>
+                    <a:lnTlToBr w="12700" cmpd="sng">
+                      <a:noFill/>
+                      <a:prstDash val="solid"/>
+                    </a:lnTlToBr>
+                    <a:lnBlToTr w="12700" cmpd="sng">
+                      <a:noFill/>
+                      <a:prstDash val="solid"/>
+                    </a:lnBlToTr>
+                  </a:tcPr>
+                </a:tc>
+                <a:tc>
+                  <a:txBody>
+                    <a:bodyPr/>
+                    <a:lstStyle/>
+                    <a:p>
+                      <a:pPr algn="r"/>
+                      <a:endParaRPr lang="en-US" sz="1100" b="0" dirty="0" smtClean="0">
+                        <a:solidFill>
+                          <a:schemeClr val="bg1">
+                            <a:lumMod val="50000"/>
+                          </a:schemeClr>
+                        </a:solidFill>
+                      </a:endParaRPr>
+                    </a:p>
+                  </a:txBody>
+                  <a:tcPr>
+                    <a:lnL w="12700" cap="flat" cmpd="sng" algn="ctr">
+                      <a:noFill/>
+                      <a:prstDash val="solid"/>
+                      <a:round/>
+                      <a:headEnd type="none" w="med" len="med"/>
+                      <a:tailEnd type="none" w="med" len="med"/>
+                    </a:lnL>
+                    <a:lnR w="12700" cap="flat" cmpd="sng" algn="ctr">
+                      <a:solidFill>
+                        <a:scrgbClr r="0" g="0" b="0"/>
                       </a:solidFill>
                       <a:prstDash val="solid"/>
                       <a:round/>
